--- a/ppt 16-9/1063.求主帮助.pptx
+++ b/ppt 16-9/1063.求主帮助.pptx
@@ -129,7 +129,7 @@
           <p:cNvPr id="2" name="标题 1">
             <a:extLst>
               <a:ext uri="{FF2B5EF4-FFF2-40B4-BE49-F238E27FC236}">
-                <a16:creationId xmlns:a16="http://schemas.microsoft.com/office/drawing/2014/main" id="{14E4BE33-3CEA-18C5-4968-E26FED942F65}"/>
+                <a16:creationId xmlns:a16="http://schemas.microsoft.com/office/drawing/2014/main" id="{66E5C7F3-10B7-3E29-4431-A1CF38EF89F9}"/>
               </a:ext>
             </a:extLst>
           </p:cNvPr>
@@ -166,7 +166,7 @@
           <p:cNvPr id="3" name="副标题 2">
             <a:extLst>
               <a:ext uri="{FF2B5EF4-FFF2-40B4-BE49-F238E27FC236}">
-                <a16:creationId xmlns:a16="http://schemas.microsoft.com/office/drawing/2014/main" id="{053C79A8-05A7-8365-49EF-217CB0067962}"/>
+                <a16:creationId xmlns:a16="http://schemas.microsoft.com/office/drawing/2014/main" id="{12B4ED47-0730-8022-9764-1FFC9AF27487}"/>
               </a:ext>
             </a:extLst>
           </p:cNvPr>
@@ -236,7 +236,7 @@
           <p:cNvPr id="4" name="日期占位符 3">
             <a:extLst>
               <a:ext uri="{FF2B5EF4-FFF2-40B4-BE49-F238E27FC236}">
-                <a16:creationId xmlns:a16="http://schemas.microsoft.com/office/drawing/2014/main" id="{2A1AA3F3-5DB7-70BC-CBBD-EECD8A4A123E}"/>
+                <a16:creationId xmlns:a16="http://schemas.microsoft.com/office/drawing/2014/main" id="{BCDEBAB2-C92C-3A4B-FE6E-9DD10BB89E7F}"/>
               </a:ext>
             </a:extLst>
           </p:cNvPr>
@@ -252,7 +252,7 @@
           <a:bodyPr/>
           <a:lstStyle/>
           <a:p>
-            <a:fld id="{B58E9A3F-5192-4C29-ADB4-9441CAD4A6F9}" type="datetimeFigureOut">
+            <a:fld id="{6BFC9AC1-54B2-492A-8B9F-96321CB91357}" type="datetimeFigureOut">
               <a:rPr lang="zh-CN" altLang="en-US" smtClean="0"/>
               <a:t>2024/3/10</a:t>
             </a:fld>
@@ -265,7 +265,7 @@
           <p:cNvPr id="5" name="页脚占位符 4">
             <a:extLst>
               <a:ext uri="{FF2B5EF4-FFF2-40B4-BE49-F238E27FC236}">
-                <a16:creationId xmlns:a16="http://schemas.microsoft.com/office/drawing/2014/main" id="{26757318-9DD1-A755-9370-CD7EACD229A2}"/>
+                <a16:creationId xmlns:a16="http://schemas.microsoft.com/office/drawing/2014/main" id="{9455A477-C24B-FA43-034F-1CFEC7683436}"/>
               </a:ext>
             </a:extLst>
           </p:cNvPr>
@@ -290,7 +290,7 @@
           <p:cNvPr id="6" name="灯片编号占位符 5">
             <a:extLst>
               <a:ext uri="{FF2B5EF4-FFF2-40B4-BE49-F238E27FC236}">
-                <a16:creationId xmlns:a16="http://schemas.microsoft.com/office/drawing/2014/main" id="{A8964818-3911-D7D4-5E67-5B2EE3ADED52}"/>
+                <a16:creationId xmlns:a16="http://schemas.microsoft.com/office/drawing/2014/main" id="{6E27B184-B9EE-421D-E000-7A48286B346F}"/>
               </a:ext>
             </a:extLst>
           </p:cNvPr>
@@ -306,7 +306,7 @@
           <a:bodyPr/>
           <a:lstStyle/>
           <a:p>
-            <a:fld id="{6B5A5A6A-4D8C-413B-A2B0-E8E741C2F5C7}" type="slidenum">
+            <a:fld id="{7D6AD016-FF7E-415B-96CB-68ABCDB29612}" type="slidenum">
               <a:rPr lang="zh-CN" altLang="en-US" smtClean="0"/>
               <a:t>‹#›</a:t>
             </a:fld>
@@ -317,7 +317,7 @@
     </p:spTree>
     <p:extLst>
       <p:ext uri="{BB962C8B-B14F-4D97-AF65-F5344CB8AC3E}">
-        <p14:creationId xmlns:p14="http://schemas.microsoft.com/office/powerpoint/2010/main" val="2886120859"/>
+        <p14:creationId xmlns:p14="http://schemas.microsoft.com/office/powerpoint/2010/main" val="3316348917"/>
       </p:ext>
     </p:extLst>
   </p:cSld>
@@ -349,7 +349,7 @@
           <p:cNvPr id="2" name="标题 1">
             <a:extLst>
               <a:ext uri="{FF2B5EF4-FFF2-40B4-BE49-F238E27FC236}">
-                <a16:creationId xmlns:a16="http://schemas.microsoft.com/office/drawing/2014/main" id="{2502437E-5541-350A-CB56-BD0E9327ECDA}"/>
+                <a16:creationId xmlns:a16="http://schemas.microsoft.com/office/drawing/2014/main" id="{0997F9CD-C149-EE8D-4395-F9CDA7769CA7}"/>
               </a:ext>
             </a:extLst>
           </p:cNvPr>
@@ -377,7 +377,7 @@
           <p:cNvPr id="3" name="竖排文字占位符 2">
             <a:extLst>
               <a:ext uri="{FF2B5EF4-FFF2-40B4-BE49-F238E27FC236}">
-                <a16:creationId xmlns:a16="http://schemas.microsoft.com/office/drawing/2014/main" id="{90980DE6-A940-DE4B-6A42-B21ABC9163E8}"/>
+                <a16:creationId xmlns:a16="http://schemas.microsoft.com/office/drawing/2014/main" id="{405A42A6-48EA-33D4-1103-B91284EA1D65}"/>
               </a:ext>
             </a:extLst>
           </p:cNvPr>
@@ -434,7 +434,7 @@
           <p:cNvPr id="4" name="日期占位符 3">
             <a:extLst>
               <a:ext uri="{FF2B5EF4-FFF2-40B4-BE49-F238E27FC236}">
-                <a16:creationId xmlns:a16="http://schemas.microsoft.com/office/drawing/2014/main" id="{ADF8C9D7-B29A-B731-2FB3-86705C89A3DE}"/>
+                <a16:creationId xmlns:a16="http://schemas.microsoft.com/office/drawing/2014/main" id="{D119CAF9-38A8-ECA6-1EC8-70C5EF30A21F}"/>
               </a:ext>
             </a:extLst>
           </p:cNvPr>
@@ -450,7 +450,7 @@
           <a:bodyPr/>
           <a:lstStyle/>
           <a:p>
-            <a:fld id="{B58E9A3F-5192-4C29-ADB4-9441CAD4A6F9}" type="datetimeFigureOut">
+            <a:fld id="{6BFC9AC1-54B2-492A-8B9F-96321CB91357}" type="datetimeFigureOut">
               <a:rPr lang="zh-CN" altLang="en-US" smtClean="0"/>
               <a:t>2024/3/10</a:t>
             </a:fld>
@@ -463,7 +463,7 @@
           <p:cNvPr id="5" name="页脚占位符 4">
             <a:extLst>
               <a:ext uri="{FF2B5EF4-FFF2-40B4-BE49-F238E27FC236}">
-                <a16:creationId xmlns:a16="http://schemas.microsoft.com/office/drawing/2014/main" id="{0CBEEC3D-3062-88D7-E205-0808235D3116}"/>
+                <a16:creationId xmlns:a16="http://schemas.microsoft.com/office/drawing/2014/main" id="{DEDBBEBB-0E27-6B2E-0A1A-373B4CE32257}"/>
               </a:ext>
             </a:extLst>
           </p:cNvPr>
@@ -488,7 +488,7 @@
           <p:cNvPr id="6" name="灯片编号占位符 5">
             <a:extLst>
               <a:ext uri="{FF2B5EF4-FFF2-40B4-BE49-F238E27FC236}">
-                <a16:creationId xmlns:a16="http://schemas.microsoft.com/office/drawing/2014/main" id="{3B9FABDB-EC0E-5F5A-C3F8-9D495BC3ECE9}"/>
+                <a16:creationId xmlns:a16="http://schemas.microsoft.com/office/drawing/2014/main" id="{354B4F73-80C7-C06F-4FEF-DD6852FFB478}"/>
               </a:ext>
             </a:extLst>
           </p:cNvPr>
@@ -504,7 +504,7 @@
           <a:bodyPr/>
           <a:lstStyle/>
           <a:p>
-            <a:fld id="{6B5A5A6A-4D8C-413B-A2B0-E8E741C2F5C7}" type="slidenum">
+            <a:fld id="{7D6AD016-FF7E-415B-96CB-68ABCDB29612}" type="slidenum">
               <a:rPr lang="zh-CN" altLang="en-US" smtClean="0"/>
               <a:t>‹#›</a:t>
             </a:fld>
@@ -515,7 +515,7 @@
     </p:spTree>
     <p:extLst>
       <p:ext uri="{BB962C8B-B14F-4D97-AF65-F5344CB8AC3E}">
-        <p14:creationId xmlns:p14="http://schemas.microsoft.com/office/powerpoint/2010/main" val="1502668023"/>
+        <p14:creationId xmlns:p14="http://schemas.microsoft.com/office/powerpoint/2010/main" val="181805232"/>
       </p:ext>
     </p:extLst>
   </p:cSld>
@@ -547,7 +547,7 @@
           <p:cNvPr id="2" name="竖排标题 1">
             <a:extLst>
               <a:ext uri="{FF2B5EF4-FFF2-40B4-BE49-F238E27FC236}">
-                <a16:creationId xmlns:a16="http://schemas.microsoft.com/office/drawing/2014/main" id="{5B4565F3-CF5E-7CDB-8732-2CCB422C792F}"/>
+                <a16:creationId xmlns:a16="http://schemas.microsoft.com/office/drawing/2014/main" id="{D8FC562D-ACC9-ABA1-CFDA-616EF0B04A37}"/>
               </a:ext>
             </a:extLst>
           </p:cNvPr>
@@ -580,7 +580,7 @@
           <p:cNvPr id="3" name="竖排文字占位符 2">
             <a:extLst>
               <a:ext uri="{FF2B5EF4-FFF2-40B4-BE49-F238E27FC236}">
-                <a16:creationId xmlns:a16="http://schemas.microsoft.com/office/drawing/2014/main" id="{0CFFE8EB-CCBD-97C1-A51F-DB2C3D8F9A84}"/>
+                <a16:creationId xmlns:a16="http://schemas.microsoft.com/office/drawing/2014/main" id="{EC55F6D9-0167-B11B-B907-A64AB9733637}"/>
               </a:ext>
             </a:extLst>
           </p:cNvPr>
@@ -642,7 +642,7 @@
           <p:cNvPr id="4" name="日期占位符 3">
             <a:extLst>
               <a:ext uri="{FF2B5EF4-FFF2-40B4-BE49-F238E27FC236}">
-                <a16:creationId xmlns:a16="http://schemas.microsoft.com/office/drawing/2014/main" id="{4A4CBF21-74D4-AA3E-0972-3BDAA82AF865}"/>
+                <a16:creationId xmlns:a16="http://schemas.microsoft.com/office/drawing/2014/main" id="{D8C23AB9-C81B-9797-4E05-34DD0401E3F7}"/>
               </a:ext>
             </a:extLst>
           </p:cNvPr>
@@ -658,7 +658,7 @@
           <a:bodyPr/>
           <a:lstStyle/>
           <a:p>
-            <a:fld id="{B58E9A3F-5192-4C29-ADB4-9441CAD4A6F9}" type="datetimeFigureOut">
+            <a:fld id="{6BFC9AC1-54B2-492A-8B9F-96321CB91357}" type="datetimeFigureOut">
               <a:rPr lang="zh-CN" altLang="en-US" smtClean="0"/>
               <a:t>2024/3/10</a:t>
             </a:fld>
@@ -671,7 +671,7 @@
           <p:cNvPr id="5" name="页脚占位符 4">
             <a:extLst>
               <a:ext uri="{FF2B5EF4-FFF2-40B4-BE49-F238E27FC236}">
-                <a16:creationId xmlns:a16="http://schemas.microsoft.com/office/drawing/2014/main" id="{58BB791E-11A3-E9C3-FEF5-3F64BFD5D14B}"/>
+                <a16:creationId xmlns:a16="http://schemas.microsoft.com/office/drawing/2014/main" id="{F0F4A061-D6A8-13A6-3BF0-4677BEE9A44D}"/>
               </a:ext>
             </a:extLst>
           </p:cNvPr>
@@ -696,7 +696,7 @@
           <p:cNvPr id="6" name="灯片编号占位符 5">
             <a:extLst>
               <a:ext uri="{FF2B5EF4-FFF2-40B4-BE49-F238E27FC236}">
-                <a16:creationId xmlns:a16="http://schemas.microsoft.com/office/drawing/2014/main" id="{93D2E3EC-F2C3-0649-9883-6F993324E0A5}"/>
+                <a16:creationId xmlns:a16="http://schemas.microsoft.com/office/drawing/2014/main" id="{DE9EFAF3-E0A2-EDEA-0918-C475DC06CE5B}"/>
               </a:ext>
             </a:extLst>
           </p:cNvPr>
@@ -712,7 +712,7 @@
           <a:bodyPr/>
           <a:lstStyle/>
           <a:p>
-            <a:fld id="{6B5A5A6A-4D8C-413B-A2B0-E8E741C2F5C7}" type="slidenum">
+            <a:fld id="{7D6AD016-FF7E-415B-96CB-68ABCDB29612}" type="slidenum">
               <a:rPr lang="zh-CN" altLang="en-US" smtClean="0"/>
               <a:t>‹#›</a:t>
             </a:fld>
@@ -723,7 +723,7 @@
     </p:spTree>
     <p:extLst>
       <p:ext uri="{BB962C8B-B14F-4D97-AF65-F5344CB8AC3E}">
-        <p14:creationId xmlns:p14="http://schemas.microsoft.com/office/powerpoint/2010/main" val="534266866"/>
+        <p14:creationId xmlns:p14="http://schemas.microsoft.com/office/powerpoint/2010/main" val="1291026745"/>
       </p:ext>
     </p:extLst>
   </p:cSld>
@@ -755,7 +755,7 @@
           <p:cNvPr id="2" name="标题 1">
             <a:extLst>
               <a:ext uri="{FF2B5EF4-FFF2-40B4-BE49-F238E27FC236}">
-                <a16:creationId xmlns:a16="http://schemas.microsoft.com/office/drawing/2014/main" id="{E4E30EB4-99C4-FCDB-CFFB-DDA7BE58E81F}"/>
+                <a16:creationId xmlns:a16="http://schemas.microsoft.com/office/drawing/2014/main" id="{96686E45-3C13-240F-4045-A574F8414088}"/>
               </a:ext>
             </a:extLst>
           </p:cNvPr>
@@ -783,7 +783,7 @@
           <p:cNvPr id="3" name="内容占位符 2">
             <a:extLst>
               <a:ext uri="{FF2B5EF4-FFF2-40B4-BE49-F238E27FC236}">
-                <a16:creationId xmlns:a16="http://schemas.microsoft.com/office/drawing/2014/main" id="{1CFC04A0-3459-F5E5-2AD0-4CA92E119A9B}"/>
+                <a16:creationId xmlns:a16="http://schemas.microsoft.com/office/drawing/2014/main" id="{5DDCAA0B-CB59-B08D-27E6-CD2B443E4FCE}"/>
               </a:ext>
             </a:extLst>
           </p:cNvPr>
@@ -840,7 +840,7 @@
           <p:cNvPr id="4" name="日期占位符 3">
             <a:extLst>
               <a:ext uri="{FF2B5EF4-FFF2-40B4-BE49-F238E27FC236}">
-                <a16:creationId xmlns:a16="http://schemas.microsoft.com/office/drawing/2014/main" id="{646E87C4-0CED-5D78-7166-2B5613EC93F1}"/>
+                <a16:creationId xmlns:a16="http://schemas.microsoft.com/office/drawing/2014/main" id="{756D17E2-AEE9-9080-2779-73F125BA582B}"/>
               </a:ext>
             </a:extLst>
           </p:cNvPr>
@@ -856,7 +856,7 @@
           <a:bodyPr/>
           <a:lstStyle/>
           <a:p>
-            <a:fld id="{B58E9A3F-5192-4C29-ADB4-9441CAD4A6F9}" type="datetimeFigureOut">
+            <a:fld id="{6BFC9AC1-54B2-492A-8B9F-96321CB91357}" type="datetimeFigureOut">
               <a:rPr lang="zh-CN" altLang="en-US" smtClean="0"/>
               <a:t>2024/3/10</a:t>
             </a:fld>
@@ -869,7 +869,7 @@
           <p:cNvPr id="5" name="页脚占位符 4">
             <a:extLst>
               <a:ext uri="{FF2B5EF4-FFF2-40B4-BE49-F238E27FC236}">
-                <a16:creationId xmlns:a16="http://schemas.microsoft.com/office/drawing/2014/main" id="{73F5B38A-5D1E-6622-F5A7-9108921E9500}"/>
+                <a16:creationId xmlns:a16="http://schemas.microsoft.com/office/drawing/2014/main" id="{ACCD52DA-25B0-E53A-515B-F0C2A38F9D98}"/>
               </a:ext>
             </a:extLst>
           </p:cNvPr>
@@ -894,7 +894,7 @@
           <p:cNvPr id="6" name="灯片编号占位符 5">
             <a:extLst>
               <a:ext uri="{FF2B5EF4-FFF2-40B4-BE49-F238E27FC236}">
-                <a16:creationId xmlns:a16="http://schemas.microsoft.com/office/drawing/2014/main" id="{EE88E3B4-43D5-49F6-D9D8-A8B7F6C32256}"/>
+                <a16:creationId xmlns:a16="http://schemas.microsoft.com/office/drawing/2014/main" id="{99A148D2-3A0C-8B54-3348-DD12ADB5F0EC}"/>
               </a:ext>
             </a:extLst>
           </p:cNvPr>
@@ -910,7 +910,7 @@
           <a:bodyPr/>
           <a:lstStyle/>
           <a:p>
-            <a:fld id="{6B5A5A6A-4D8C-413B-A2B0-E8E741C2F5C7}" type="slidenum">
+            <a:fld id="{7D6AD016-FF7E-415B-96CB-68ABCDB29612}" type="slidenum">
               <a:rPr lang="zh-CN" altLang="en-US" smtClean="0"/>
               <a:t>‹#›</a:t>
             </a:fld>
@@ -921,7 +921,7 @@
     </p:spTree>
     <p:extLst>
       <p:ext uri="{BB962C8B-B14F-4D97-AF65-F5344CB8AC3E}">
-        <p14:creationId xmlns:p14="http://schemas.microsoft.com/office/powerpoint/2010/main" val="2321573270"/>
+        <p14:creationId xmlns:p14="http://schemas.microsoft.com/office/powerpoint/2010/main" val="4203754268"/>
       </p:ext>
     </p:extLst>
   </p:cSld>
@@ -953,7 +953,7 @@
           <p:cNvPr id="2" name="标题 1">
             <a:extLst>
               <a:ext uri="{FF2B5EF4-FFF2-40B4-BE49-F238E27FC236}">
-                <a16:creationId xmlns:a16="http://schemas.microsoft.com/office/drawing/2014/main" id="{4FF5EAB0-B241-FD10-60B2-D2264CD2AAB9}"/>
+                <a16:creationId xmlns:a16="http://schemas.microsoft.com/office/drawing/2014/main" id="{5468DBD8-1C24-9AC3-F11B-79D10D0C5518}"/>
               </a:ext>
             </a:extLst>
           </p:cNvPr>
@@ -990,7 +990,7 @@
           <p:cNvPr id="3" name="文本占位符 2">
             <a:extLst>
               <a:ext uri="{FF2B5EF4-FFF2-40B4-BE49-F238E27FC236}">
-                <a16:creationId xmlns:a16="http://schemas.microsoft.com/office/drawing/2014/main" id="{4893F500-75C0-9AFF-3353-6954BE9CAA47}"/>
+                <a16:creationId xmlns:a16="http://schemas.microsoft.com/office/drawing/2014/main" id="{44BE1E97-74D8-5C8C-60FC-7AAD6ECFFBC9}"/>
               </a:ext>
             </a:extLst>
           </p:cNvPr>
@@ -1115,7 +1115,7 @@
           <p:cNvPr id="4" name="日期占位符 3">
             <a:extLst>
               <a:ext uri="{FF2B5EF4-FFF2-40B4-BE49-F238E27FC236}">
-                <a16:creationId xmlns:a16="http://schemas.microsoft.com/office/drawing/2014/main" id="{513E1FC3-66F5-9E7A-147D-111B9DF4798A}"/>
+                <a16:creationId xmlns:a16="http://schemas.microsoft.com/office/drawing/2014/main" id="{9A8EBF51-B73C-48C1-1C00-9C894594EB14}"/>
               </a:ext>
             </a:extLst>
           </p:cNvPr>
@@ -1131,7 +1131,7 @@
           <a:bodyPr/>
           <a:lstStyle/>
           <a:p>
-            <a:fld id="{B58E9A3F-5192-4C29-ADB4-9441CAD4A6F9}" type="datetimeFigureOut">
+            <a:fld id="{6BFC9AC1-54B2-492A-8B9F-96321CB91357}" type="datetimeFigureOut">
               <a:rPr lang="zh-CN" altLang="en-US" smtClean="0"/>
               <a:t>2024/3/10</a:t>
             </a:fld>
@@ -1144,7 +1144,7 @@
           <p:cNvPr id="5" name="页脚占位符 4">
             <a:extLst>
               <a:ext uri="{FF2B5EF4-FFF2-40B4-BE49-F238E27FC236}">
-                <a16:creationId xmlns:a16="http://schemas.microsoft.com/office/drawing/2014/main" id="{3E65CA79-A3CF-25A7-4909-524611690FBA}"/>
+                <a16:creationId xmlns:a16="http://schemas.microsoft.com/office/drawing/2014/main" id="{54DA36E7-4E1C-66D7-7F6F-A3309303EF59}"/>
               </a:ext>
             </a:extLst>
           </p:cNvPr>
@@ -1169,7 +1169,7 @@
           <p:cNvPr id="6" name="灯片编号占位符 5">
             <a:extLst>
               <a:ext uri="{FF2B5EF4-FFF2-40B4-BE49-F238E27FC236}">
-                <a16:creationId xmlns:a16="http://schemas.microsoft.com/office/drawing/2014/main" id="{09BA38E7-570D-54D3-925D-B73CD0A4C639}"/>
+                <a16:creationId xmlns:a16="http://schemas.microsoft.com/office/drawing/2014/main" id="{7DAB920A-1F49-E8F2-869B-D453E92DB7DA}"/>
               </a:ext>
             </a:extLst>
           </p:cNvPr>
@@ -1185,7 +1185,7 @@
           <a:bodyPr/>
           <a:lstStyle/>
           <a:p>
-            <a:fld id="{6B5A5A6A-4D8C-413B-A2B0-E8E741C2F5C7}" type="slidenum">
+            <a:fld id="{7D6AD016-FF7E-415B-96CB-68ABCDB29612}" type="slidenum">
               <a:rPr lang="zh-CN" altLang="en-US" smtClean="0"/>
               <a:t>‹#›</a:t>
             </a:fld>
@@ -1196,7 +1196,7 @@
     </p:spTree>
     <p:extLst>
       <p:ext uri="{BB962C8B-B14F-4D97-AF65-F5344CB8AC3E}">
-        <p14:creationId xmlns:p14="http://schemas.microsoft.com/office/powerpoint/2010/main" val="566967099"/>
+        <p14:creationId xmlns:p14="http://schemas.microsoft.com/office/powerpoint/2010/main" val="1795443423"/>
       </p:ext>
     </p:extLst>
   </p:cSld>
@@ -1228,7 +1228,7 @@
           <p:cNvPr id="2" name="标题 1">
             <a:extLst>
               <a:ext uri="{FF2B5EF4-FFF2-40B4-BE49-F238E27FC236}">
-                <a16:creationId xmlns:a16="http://schemas.microsoft.com/office/drawing/2014/main" id="{B33926E0-988E-432C-A50E-0434C641D130}"/>
+                <a16:creationId xmlns:a16="http://schemas.microsoft.com/office/drawing/2014/main" id="{E5A8D985-5E06-4AAF-1B99-C79F4B4A720E}"/>
               </a:ext>
             </a:extLst>
           </p:cNvPr>
@@ -1256,7 +1256,7 @@
           <p:cNvPr id="3" name="内容占位符 2">
             <a:extLst>
               <a:ext uri="{FF2B5EF4-FFF2-40B4-BE49-F238E27FC236}">
-                <a16:creationId xmlns:a16="http://schemas.microsoft.com/office/drawing/2014/main" id="{EDC0FBCF-1D11-D8C7-D668-22C31442DA4D}"/>
+                <a16:creationId xmlns:a16="http://schemas.microsoft.com/office/drawing/2014/main" id="{FAAAAC4A-A461-5493-3438-327B1B598857}"/>
               </a:ext>
             </a:extLst>
           </p:cNvPr>
@@ -1318,7 +1318,7 @@
           <p:cNvPr id="4" name="内容占位符 3">
             <a:extLst>
               <a:ext uri="{FF2B5EF4-FFF2-40B4-BE49-F238E27FC236}">
-                <a16:creationId xmlns:a16="http://schemas.microsoft.com/office/drawing/2014/main" id="{31B6B55E-F5AA-C99C-5456-3E9800A62256}"/>
+                <a16:creationId xmlns:a16="http://schemas.microsoft.com/office/drawing/2014/main" id="{6FC45DDD-CA99-22EF-A92C-33C51B2A21F3}"/>
               </a:ext>
             </a:extLst>
           </p:cNvPr>
@@ -1380,7 +1380,7 @@
           <p:cNvPr id="5" name="日期占位符 4">
             <a:extLst>
               <a:ext uri="{FF2B5EF4-FFF2-40B4-BE49-F238E27FC236}">
-                <a16:creationId xmlns:a16="http://schemas.microsoft.com/office/drawing/2014/main" id="{71F73AE5-E65D-F911-F26E-3CC82B96E013}"/>
+                <a16:creationId xmlns:a16="http://schemas.microsoft.com/office/drawing/2014/main" id="{41EF04EE-0769-21F0-6FC0-77B82421B6DC}"/>
               </a:ext>
             </a:extLst>
           </p:cNvPr>
@@ -1396,7 +1396,7 @@
           <a:bodyPr/>
           <a:lstStyle/>
           <a:p>
-            <a:fld id="{B58E9A3F-5192-4C29-ADB4-9441CAD4A6F9}" type="datetimeFigureOut">
+            <a:fld id="{6BFC9AC1-54B2-492A-8B9F-96321CB91357}" type="datetimeFigureOut">
               <a:rPr lang="zh-CN" altLang="en-US" smtClean="0"/>
               <a:t>2024/3/10</a:t>
             </a:fld>
@@ -1409,7 +1409,7 @@
           <p:cNvPr id="6" name="页脚占位符 5">
             <a:extLst>
               <a:ext uri="{FF2B5EF4-FFF2-40B4-BE49-F238E27FC236}">
-                <a16:creationId xmlns:a16="http://schemas.microsoft.com/office/drawing/2014/main" id="{3D303CF4-29DF-423C-8290-68B6318071D4}"/>
+                <a16:creationId xmlns:a16="http://schemas.microsoft.com/office/drawing/2014/main" id="{00D7D311-8530-5BAF-9450-238AA3863B00}"/>
               </a:ext>
             </a:extLst>
           </p:cNvPr>
@@ -1434,7 +1434,7 @@
           <p:cNvPr id="7" name="灯片编号占位符 6">
             <a:extLst>
               <a:ext uri="{FF2B5EF4-FFF2-40B4-BE49-F238E27FC236}">
-                <a16:creationId xmlns:a16="http://schemas.microsoft.com/office/drawing/2014/main" id="{9094A718-40AB-D2F8-DC7C-59799E5261D7}"/>
+                <a16:creationId xmlns:a16="http://schemas.microsoft.com/office/drawing/2014/main" id="{DEA865B1-9899-A451-83EA-759CC6EC1F07}"/>
               </a:ext>
             </a:extLst>
           </p:cNvPr>
@@ -1450,7 +1450,7 @@
           <a:bodyPr/>
           <a:lstStyle/>
           <a:p>
-            <a:fld id="{6B5A5A6A-4D8C-413B-A2B0-E8E741C2F5C7}" type="slidenum">
+            <a:fld id="{7D6AD016-FF7E-415B-96CB-68ABCDB29612}" type="slidenum">
               <a:rPr lang="zh-CN" altLang="en-US" smtClean="0"/>
               <a:t>‹#›</a:t>
             </a:fld>
@@ -1461,7 +1461,7 @@
     </p:spTree>
     <p:extLst>
       <p:ext uri="{BB962C8B-B14F-4D97-AF65-F5344CB8AC3E}">
-        <p14:creationId xmlns:p14="http://schemas.microsoft.com/office/powerpoint/2010/main" val="188804793"/>
+        <p14:creationId xmlns:p14="http://schemas.microsoft.com/office/powerpoint/2010/main" val="3981056689"/>
       </p:ext>
     </p:extLst>
   </p:cSld>
@@ -1493,7 +1493,7 @@
           <p:cNvPr id="2" name="标题 1">
             <a:extLst>
               <a:ext uri="{FF2B5EF4-FFF2-40B4-BE49-F238E27FC236}">
-                <a16:creationId xmlns:a16="http://schemas.microsoft.com/office/drawing/2014/main" id="{40075EB1-83A6-1938-3256-60C787E12621}"/>
+                <a16:creationId xmlns:a16="http://schemas.microsoft.com/office/drawing/2014/main" id="{4E0642F1-8456-1EB5-9DB4-1A1AC015BE22}"/>
               </a:ext>
             </a:extLst>
           </p:cNvPr>
@@ -1526,7 +1526,7 @@
           <p:cNvPr id="3" name="文本占位符 2">
             <a:extLst>
               <a:ext uri="{FF2B5EF4-FFF2-40B4-BE49-F238E27FC236}">
-                <a16:creationId xmlns:a16="http://schemas.microsoft.com/office/drawing/2014/main" id="{C6171EDB-C42D-E8CF-DA1B-AF1DC64AAC03}"/>
+                <a16:creationId xmlns:a16="http://schemas.microsoft.com/office/drawing/2014/main" id="{E03660B0-385A-383D-D1D1-8D1C6CC4125A}"/>
               </a:ext>
             </a:extLst>
           </p:cNvPr>
@@ -1597,7 +1597,7 @@
           <p:cNvPr id="4" name="内容占位符 3">
             <a:extLst>
               <a:ext uri="{FF2B5EF4-FFF2-40B4-BE49-F238E27FC236}">
-                <a16:creationId xmlns:a16="http://schemas.microsoft.com/office/drawing/2014/main" id="{DBD6AA00-4703-DDEC-55D5-E5C5C5B77FD9}"/>
+                <a16:creationId xmlns:a16="http://schemas.microsoft.com/office/drawing/2014/main" id="{CDEA62B4-CDB9-69E0-4619-784FE5186211}"/>
               </a:ext>
             </a:extLst>
           </p:cNvPr>
@@ -1659,7 +1659,7 @@
           <p:cNvPr id="5" name="文本占位符 4">
             <a:extLst>
               <a:ext uri="{FF2B5EF4-FFF2-40B4-BE49-F238E27FC236}">
-                <a16:creationId xmlns:a16="http://schemas.microsoft.com/office/drawing/2014/main" id="{8C04116D-54DB-B852-D0A5-CCBFD1F55618}"/>
+                <a16:creationId xmlns:a16="http://schemas.microsoft.com/office/drawing/2014/main" id="{4C299D4F-C76F-EB2A-723E-1769C844AB46}"/>
               </a:ext>
             </a:extLst>
           </p:cNvPr>
@@ -1730,7 +1730,7 @@
           <p:cNvPr id="6" name="内容占位符 5">
             <a:extLst>
               <a:ext uri="{FF2B5EF4-FFF2-40B4-BE49-F238E27FC236}">
-                <a16:creationId xmlns:a16="http://schemas.microsoft.com/office/drawing/2014/main" id="{C8541933-66E2-7092-DD74-0A332F6A0A5D}"/>
+                <a16:creationId xmlns:a16="http://schemas.microsoft.com/office/drawing/2014/main" id="{5BE9C491-91E1-A117-6CD6-9F3E0375141C}"/>
               </a:ext>
             </a:extLst>
           </p:cNvPr>
@@ -1792,7 +1792,7 @@
           <p:cNvPr id="7" name="日期占位符 6">
             <a:extLst>
               <a:ext uri="{FF2B5EF4-FFF2-40B4-BE49-F238E27FC236}">
-                <a16:creationId xmlns:a16="http://schemas.microsoft.com/office/drawing/2014/main" id="{E5752B60-9552-3EA9-38E7-81A468CBD8B8}"/>
+                <a16:creationId xmlns:a16="http://schemas.microsoft.com/office/drawing/2014/main" id="{9CE5F463-0C04-6327-6B25-42B4B9531E63}"/>
               </a:ext>
             </a:extLst>
           </p:cNvPr>
@@ -1808,7 +1808,7 @@
           <a:bodyPr/>
           <a:lstStyle/>
           <a:p>
-            <a:fld id="{B58E9A3F-5192-4C29-ADB4-9441CAD4A6F9}" type="datetimeFigureOut">
+            <a:fld id="{6BFC9AC1-54B2-492A-8B9F-96321CB91357}" type="datetimeFigureOut">
               <a:rPr lang="zh-CN" altLang="en-US" smtClean="0"/>
               <a:t>2024/3/10</a:t>
             </a:fld>
@@ -1821,7 +1821,7 @@
           <p:cNvPr id="8" name="页脚占位符 7">
             <a:extLst>
               <a:ext uri="{FF2B5EF4-FFF2-40B4-BE49-F238E27FC236}">
-                <a16:creationId xmlns:a16="http://schemas.microsoft.com/office/drawing/2014/main" id="{BE7ACF0A-575E-A430-701C-29A3411D84D0}"/>
+                <a16:creationId xmlns:a16="http://schemas.microsoft.com/office/drawing/2014/main" id="{0B18F883-4AF7-89E2-EDFE-5B51B692AC8E}"/>
               </a:ext>
             </a:extLst>
           </p:cNvPr>
@@ -1846,7 +1846,7 @@
           <p:cNvPr id="9" name="灯片编号占位符 8">
             <a:extLst>
               <a:ext uri="{FF2B5EF4-FFF2-40B4-BE49-F238E27FC236}">
-                <a16:creationId xmlns:a16="http://schemas.microsoft.com/office/drawing/2014/main" id="{3086F01F-9007-1E55-4564-221D87967BA5}"/>
+                <a16:creationId xmlns:a16="http://schemas.microsoft.com/office/drawing/2014/main" id="{339709D7-AC24-2102-7AD1-272A949051BC}"/>
               </a:ext>
             </a:extLst>
           </p:cNvPr>
@@ -1862,7 +1862,7 @@
           <a:bodyPr/>
           <a:lstStyle/>
           <a:p>
-            <a:fld id="{6B5A5A6A-4D8C-413B-A2B0-E8E741C2F5C7}" type="slidenum">
+            <a:fld id="{7D6AD016-FF7E-415B-96CB-68ABCDB29612}" type="slidenum">
               <a:rPr lang="zh-CN" altLang="en-US" smtClean="0"/>
               <a:t>‹#›</a:t>
             </a:fld>
@@ -1873,7 +1873,7 @@
     </p:spTree>
     <p:extLst>
       <p:ext uri="{BB962C8B-B14F-4D97-AF65-F5344CB8AC3E}">
-        <p14:creationId xmlns:p14="http://schemas.microsoft.com/office/powerpoint/2010/main" val="4230844814"/>
+        <p14:creationId xmlns:p14="http://schemas.microsoft.com/office/powerpoint/2010/main" val="2054866365"/>
       </p:ext>
     </p:extLst>
   </p:cSld>
@@ -1905,7 +1905,7 @@
           <p:cNvPr id="2" name="标题 1">
             <a:extLst>
               <a:ext uri="{FF2B5EF4-FFF2-40B4-BE49-F238E27FC236}">
-                <a16:creationId xmlns:a16="http://schemas.microsoft.com/office/drawing/2014/main" id="{95A5D082-D6FC-56C3-5210-300439F1475F}"/>
+                <a16:creationId xmlns:a16="http://schemas.microsoft.com/office/drawing/2014/main" id="{5BB6B03D-7E65-6469-D3A8-66A6AAF937E1}"/>
               </a:ext>
             </a:extLst>
           </p:cNvPr>
@@ -1933,7 +1933,7 @@
           <p:cNvPr id="3" name="日期占位符 2">
             <a:extLst>
               <a:ext uri="{FF2B5EF4-FFF2-40B4-BE49-F238E27FC236}">
-                <a16:creationId xmlns:a16="http://schemas.microsoft.com/office/drawing/2014/main" id="{B918041B-322E-1174-FC55-4922BCF9E924}"/>
+                <a16:creationId xmlns:a16="http://schemas.microsoft.com/office/drawing/2014/main" id="{8E75E87F-53D5-3583-F80E-66E187AD3BBE}"/>
               </a:ext>
             </a:extLst>
           </p:cNvPr>
@@ -1949,7 +1949,7 @@
           <a:bodyPr/>
           <a:lstStyle/>
           <a:p>
-            <a:fld id="{B58E9A3F-5192-4C29-ADB4-9441CAD4A6F9}" type="datetimeFigureOut">
+            <a:fld id="{6BFC9AC1-54B2-492A-8B9F-96321CB91357}" type="datetimeFigureOut">
               <a:rPr lang="zh-CN" altLang="en-US" smtClean="0"/>
               <a:t>2024/3/10</a:t>
             </a:fld>
@@ -1962,7 +1962,7 @@
           <p:cNvPr id="4" name="页脚占位符 3">
             <a:extLst>
               <a:ext uri="{FF2B5EF4-FFF2-40B4-BE49-F238E27FC236}">
-                <a16:creationId xmlns:a16="http://schemas.microsoft.com/office/drawing/2014/main" id="{5015575A-8A68-0828-03E8-648B02806B07}"/>
+                <a16:creationId xmlns:a16="http://schemas.microsoft.com/office/drawing/2014/main" id="{710EB042-8259-6522-9F7C-788BE9E1F3A4}"/>
               </a:ext>
             </a:extLst>
           </p:cNvPr>
@@ -1987,7 +1987,7 @@
           <p:cNvPr id="5" name="灯片编号占位符 4">
             <a:extLst>
               <a:ext uri="{FF2B5EF4-FFF2-40B4-BE49-F238E27FC236}">
-                <a16:creationId xmlns:a16="http://schemas.microsoft.com/office/drawing/2014/main" id="{C8F3156F-7464-7B52-5FDD-AF09AC09502E}"/>
+                <a16:creationId xmlns:a16="http://schemas.microsoft.com/office/drawing/2014/main" id="{D3803724-974F-CD23-5BD0-1BC1D09FF788}"/>
               </a:ext>
             </a:extLst>
           </p:cNvPr>
@@ -2003,7 +2003,7 @@
           <a:bodyPr/>
           <a:lstStyle/>
           <a:p>
-            <a:fld id="{6B5A5A6A-4D8C-413B-A2B0-E8E741C2F5C7}" type="slidenum">
+            <a:fld id="{7D6AD016-FF7E-415B-96CB-68ABCDB29612}" type="slidenum">
               <a:rPr lang="zh-CN" altLang="en-US" smtClean="0"/>
               <a:t>‹#›</a:t>
             </a:fld>
@@ -2014,7 +2014,7 @@
     </p:spTree>
     <p:extLst>
       <p:ext uri="{BB962C8B-B14F-4D97-AF65-F5344CB8AC3E}">
-        <p14:creationId xmlns:p14="http://schemas.microsoft.com/office/powerpoint/2010/main" val="4169750309"/>
+        <p14:creationId xmlns:p14="http://schemas.microsoft.com/office/powerpoint/2010/main" val="1888059325"/>
       </p:ext>
     </p:extLst>
   </p:cSld>
@@ -2046,7 +2046,7 @@
           <p:cNvPr id="2" name="日期占位符 1">
             <a:extLst>
               <a:ext uri="{FF2B5EF4-FFF2-40B4-BE49-F238E27FC236}">
-                <a16:creationId xmlns:a16="http://schemas.microsoft.com/office/drawing/2014/main" id="{67C9C800-D3E1-565B-AD63-D0CE6E16850C}"/>
+                <a16:creationId xmlns:a16="http://schemas.microsoft.com/office/drawing/2014/main" id="{7C6756E3-EDE2-5C47-5D80-1B6625041FBC}"/>
               </a:ext>
             </a:extLst>
           </p:cNvPr>
@@ -2062,7 +2062,7 @@
           <a:bodyPr/>
           <a:lstStyle/>
           <a:p>
-            <a:fld id="{B58E9A3F-5192-4C29-ADB4-9441CAD4A6F9}" type="datetimeFigureOut">
+            <a:fld id="{6BFC9AC1-54B2-492A-8B9F-96321CB91357}" type="datetimeFigureOut">
               <a:rPr lang="zh-CN" altLang="en-US" smtClean="0"/>
               <a:t>2024/3/10</a:t>
             </a:fld>
@@ -2075,7 +2075,7 @@
           <p:cNvPr id="3" name="页脚占位符 2">
             <a:extLst>
               <a:ext uri="{FF2B5EF4-FFF2-40B4-BE49-F238E27FC236}">
-                <a16:creationId xmlns:a16="http://schemas.microsoft.com/office/drawing/2014/main" id="{A51E41B3-116F-99BF-AB53-CF69F7C760DF}"/>
+                <a16:creationId xmlns:a16="http://schemas.microsoft.com/office/drawing/2014/main" id="{177125C5-8BEA-1E33-A671-487D6348CE83}"/>
               </a:ext>
             </a:extLst>
           </p:cNvPr>
@@ -2100,7 +2100,7 @@
           <p:cNvPr id="4" name="灯片编号占位符 3">
             <a:extLst>
               <a:ext uri="{FF2B5EF4-FFF2-40B4-BE49-F238E27FC236}">
-                <a16:creationId xmlns:a16="http://schemas.microsoft.com/office/drawing/2014/main" id="{929A995A-9BDA-0760-FD96-0978967AF726}"/>
+                <a16:creationId xmlns:a16="http://schemas.microsoft.com/office/drawing/2014/main" id="{2AA8025E-3E0C-6BAD-D9A5-E2248F160F34}"/>
               </a:ext>
             </a:extLst>
           </p:cNvPr>
@@ -2116,7 +2116,7 @@
           <a:bodyPr/>
           <a:lstStyle/>
           <a:p>
-            <a:fld id="{6B5A5A6A-4D8C-413B-A2B0-E8E741C2F5C7}" type="slidenum">
+            <a:fld id="{7D6AD016-FF7E-415B-96CB-68ABCDB29612}" type="slidenum">
               <a:rPr lang="zh-CN" altLang="en-US" smtClean="0"/>
               <a:t>‹#›</a:t>
             </a:fld>
@@ -2127,7 +2127,7 @@
     </p:spTree>
     <p:extLst>
       <p:ext uri="{BB962C8B-B14F-4D97-AF65-F5344CB8AC3E}">
-        <p14:creationId xmlns:p14="http://schemas.microsoft.com/office/powerpoint/2010/main" val="2710268208"/>
+        <p14:creationId xmlns:p14="http://schemas.microsoft.com/office/powerpoint/2010/main" val="3527372947"/>
       </p:ext>
     </p:extLst>
   </p:cSld>
@@ -2159,7 +2159,7 @@
           <p:cNvPr id="2" name="标题 1">
             <a:extLst>
               <a:ext uri="{FF2B5EF4-FFF2-40B4-BE49-F238E27FC236}">
-                <a16:creationId xmlns:a16="http://schemas.microsoft.com/office/drawing/2014/main" id="{1BD10CAF-A270-0C4A-2E46-75C9B55CF9F1}"/>
+                <a16:creationId xmlns:a16="http://schemas.microsoft.com/office/drawing/2014/main" id="{BA5BF375-92EE-4B0A-FB46-35ECA6391C4C}"/>
               </a:ext>
             </a:extLst>
           </p:cNvPr>
@@ -2196,7 +2196,7 @@
           <p:cNvPr id="3" name="内容占位符 2">
             <a:extLst>
               <a:ext uri="{FF2B5EF4-FFF2-40B4-BE49-F238E27FC236}">
-                <a16:creationId xmlns:a16="http://schemas.microsoft.com/office/drawing/2014/main" id="{11AF07B3-B944-79A5-0799-E08D55E42E56}"/>
+                <a16:creationId xmlns:a16="http://schemas.microsoft.com/office/drawing/2014/main" id="{B6ABAD40-FC78-A89B-63D2-F48949D181E9}"/>
               </a:ext>
             </a:extLst>
           </p:cNvPr>
@@ -2286,7 +2286,7 @@
           <p:cNvPr id="4" name="文本占位符 3">
             <a:extLst>
               <a:ext uri="{FF2B5EF4-FFF2-40B4-BE49-F238E27FC236}">
-                <a16:creationId xmlns:a16="http://schemas.microsoft.com/office/drawing/2014/main" id="{9E9DA224-5858-1F19-E502-FDE731409225}"/>
+                <a16:creationId xmlns:a16="http://schemas.microsoft.com/office/drawing/2014/main" id="{FF2114F8-AF55-391F-6142-282D5D948A7C}"/>
               </a:ext>
             </a:extLst>
           </p:cNvPr>
@@ -2357,7 +2357,7 @@
           <p:cNvPr id="5" name="日期占位符 4">
             <a:extLst>
               <a:ext uri="{FF2B5EF4-FFF2-40B4-BE49-F238E27FC236}">
-                <a16:creationId xmlns:a16="http://schemas.microsoft.com/office/drawing/2014/main" id="{3CA20FE1-B74D-95C9-881B-F46E7EA34C71}"/>
+                <a16:creationId xmlns:a16="http://schemas.microsoft.com/office/drawing/2014/main" id="{D855834F-40F2-F9C0-C98B-C3D7E4B6DE94}"/>
               </a:ext>
             </a:extLst>
           </p:cNvPr>
@@ -2373,7 +2373,7 @@
           <a:bodyPr/>
           <a:lstStyle/>
           <a:p>
-            <a:fld id="{B58E9A3F-5192-4C29-ADB4-9441CAD4A6F9}" type="datetimeFigureOut">
+            <a:fld id="{6BFC9AC1-54B2-492A-8B9F-96321CB91357}" type="datetimeFigureOut">
               <a:rPr lang="zh-CN" altLang="en-US" smtClean="0"/>
               <a:t>2024/3/10</a:t>
             </a:fld>
@@ -2386,7 +2386,7 @@
           <p:cNvPr id="6" name="页脚占位符 5">
             <a:extLst>
               <a:ext uri="{FF2B5EF4-FFF2-40B4-BE49-F238E27FC236}">
-                <a16:creationId xmlns:a16="http://schemas.microsoft.com/office/drawing/2014/main" id="{1501AAD6-7387-80AF-53A7-A21AA1F52F07}"/>
+                <a16:creationId xmlns:a16="http://schemas.microsoft.com/office/drawing/2014/main" id="{85F11565-0306-7D57-CA96-672E67DBD92C}"/>
               </a:ext>
             </a:extLst>
           </p:cNvPr>
@@ -2411,7 +2411,7 @@
           <p:cNvPr id="7" name="灯片编号占位符 6">
             <a:extLst>
               <a:ext uri="{FF2B5EF4-FFF2-40B4-BE49-F238E27FC236}">
-                <a16:creationId xmlns:a16="http://schemas.microsoft.com/office/drawing/2014/main" id="{06035A83-CEC7-6C25-D3D3-741C1D3FF5E1}"/>
+                <a16:creationId xmlns:a16="http://schemas.microsoft.com/office/drawing/2014/main" id="{A0B470BE-565B-E230-285C-72EE07EF289A}"/>
               </a:ext>
             </a:extLst>
           </p:cNvPr>
@@ -2427,7 +2427,7 @@
           <a:bodyPr/>
           <a:lstStyle/>
           <a:p>
-            <a:fld id="{6B5A5A6A-4D8C-413B-A2B0-E8E741C2F5C7}" type="slidenum">
+            <a:fld id="{7D6AD016-FF7E-415B-96CB-68ABCDB29612}" type="slidenum">
               <a:rPr lang="zh-CN" altLang="en-US" smtClean="0"/>
               <a:t>‹#›</a:t>
             </a:fld>
@@ -2438,7 +2438,7 @@
     </p:spTree>
     <p:extLst>
       <p:ext uri="{BB962C8B-B14F-4D97-AF65-F5344CB8AC3E}">
-        <p14:creationId xmlns:p14="http://schemas.microsoft.com/office/powerpoint/2010/main" val="2190415179"/>
+        <p14:creationId xmlns:p14="http://schemas.microsoft.com/office/powerpoint/2010/main" val="3837664111"/>
       </p:ext>
     </p:extLst>
   </p:cSld>
@@ -2470,7 +2470,7 @@
           <p:cNvPr id="2" name="标题 1">
             <a:extLst>
               <a:ext uri="{FF2B5EF4-FFF2-40B4-BE49-F238E27FC236}">
-                <a16:creationId xmlns:a16="http://schemas.microsoft.com/office/drawing/2014/main" id="{59CAF123-7558-884A-F376-0D9F02E5ED38}"/>
+                <a16:creationId xmlns:a16="http://schemas.microsoft.com/office/drawing/2014/main" id="{55889EA9-D6A7-487A-6319-B2049F68564D}"/>
               </a:ext>
             </a:extLst>
           </p:cNvPr>
@@ -2507,7 +2507,7 @@
           <p:cNvPr id="3" name="图片占位符 2">
             <a:extLst>
               <a:ext uri="{FF2B5EF4-FFF2-40B4-BE49-F238E27FC236}">
-                <a16:creationId xmlns:a16="http://schemas.microsoft.com/office/drawing/2014/main" id="{F6E97FB1-AEDA-892C-5E66-5D63E90D65F8}"/>
+                <a16:creationId xmlns:a16="http://schemas.microsoft.com/office/drawing/2014/main" id="{402B199D-D84F-2214-4A28-8464E986283C}"/>
               </a:ext>
             </a:extLst>
           </p:cNvPr>
@@ -2574,7 +2574,7 @@
           <p:cNvPr id="4" name="文本占位符 3">
             <a:extLst>
               <a:ext uri="{FF2B5EF4-FFF2-40B4-BE49-F238E27FC236}">
-                <a16:creationId xmlns:a16="http://schemas.microsoft.com/office/drawing/2014/main" id="{1ECC5723-2B65-0E54-D703-852C96BF2493}"/>
+                <a16:creationId xmlns:a16="http://schemas.microsoft.com/office/drawing/2014/main" id="{CA3C1150-9F64-0ADF-E513-38BA96E9E08D}"/>
               </a:ext>
             </a:extLst>
           </p:cNvPr>
@@ -2645,7 +2645,7 @@
           <p:cNvPr id="5" name="日期占位符 4">
             <a:extLst>
               <a:ext uri="{FF2B5EF4-FFF2-40B4-BE49-F238E27FC236}">
-                <a16:creationId xmlns:a16="http://schemas.microsoft.com/office/drawing/2014/main" id="{129F97C6-C6F0-21C7-F4CC-8F8542E18E13}"/>
+                <a16:creationId xmlns:a16="http://schemas.microsoft.com/office/drawing/2014/main" id="{A4E19A32-ECD3-9293-1BC5-B34F8690D14C}"/>
               </a:ext>
             </a:extLst>
           </p:cNvPr>
@@ -2661,7 +2661,7 @@
           <a:bodyPr/>
           <a:lstStyle/>
           <a:p>
-            <a:fld id="{B58E9A3F-5192-4C29-ADB4-9441CAD4A6F9}" type="datetimeFigureOut">
+            <a:fld id="{6BFC9AC1-54B2-492A-8B9F-96321CB91357}" type="datetimeFigureOut">
               <a:rPr lang="zh-CN" altLang="en-US" smtClean="0"/>
               <a:t>2024/3/10</a:t>
             </a:fld>
@@ -2674,7 +2674,7 @@
           <p:cNvPr id="6" name="页脚占位符 5">
             <a:extLst>
               <a:ext uri="{FF2B5EF4-FFF2-40B4-BE49-F238E27FC236}">
-                <a16:creationId xmlns:a16="http://schemas.microsoft.com/office/drawing/2014/main" id="{0FA9EE33-B9E3-11DC-5EBC-1381221A4B0A}"/>
+                <a16:creationId xmlns:a16="http://schemas.microsoft.com/office/drawing/2014/main" id="{85D169DF-6003-F7D7-06BE-A4FA01FA0E31}"/>
               </a:ext>
             </a:extLst>
           </p:cNvPr>
@@ -2699,7 +2699,7 @@
           <p:cNvPr id="7" name="灯片编号占位符 6">
             <a:extLst>
               <a:ext uri="{FF2B5EF4-FFF2-40B4-BE49-F238E27FC236}">
-                <a16:creationId xmlns:a16="http://schemas.microsoft.com/office/drawing/2014/main" id="{D000F175-39CA-CF89-ABB1-619BF108FCCD}"/>
+                <a16:creationId xmlns:a16="http://schemas.microsoft.com/office/drawing/2014/main" id="{C54F115B-0348-F369-C10C-B7684D77F1FF}"/>
               </a:ext>
             </a:extLst>
           </p:cNvPr>
@@ -2715,7 +2715,7 @@
           <a:bodyPr/>
           <a:lstStyle/>
           <a:p>
-            <a:fld id="{6B5A5A6A-4D8C-413B-A2B0-E8E741C2F5C7}" type="slidenum">
+            <a:fld id="{7D6AD016-FF7E-415B-96CB-68ABCDB29612}" type="slidenum">
               <a:rPr lang="zh-CN" altLang="en-US" smtClean="0"/>
               <a:t>‹#›</a:t>
             </a:fld>
@@ -2726,7 +2726,7 @@
     </p:spTree>
     <p:extLst>
       <p:ext uri="{BB962C8B-B14F-4D97-AF65-F5344CB8AC3E}">
-        <p14:creationId xmlns:p14="http://schemas.microsoft.com/office/powerpoint/2010/main" val="1764389064"/>
+        <p14:creationId xmlns:p14="http://schemas.microsoft.com/office/powerpoint/2010/main" val="1037230854"/>
       </p:ext>
     </p:extLst>
   </p:cSld>
@@ -2763,7 +2763,7 @@
           <p:cNvPr id="2" name="标题占位符 1">
             <a:extLst>
               <a:ext uri="{FF2B5EF4-FFF2-40B4-BE49-F238E27FC236}">
-                <a16:creationId xmlns:a16="http://schemas.microsoft.com/office/drawing/2014/main" id="{4330EFC1-E5A7-4732-EB8C-02D0B75472FB}"/>
+                <a16:creationId xmlns:a16="http://schemas.microsoft.com/office/drawing/2014/main" id="{A4EC5723-D2F6-0422-705A-81C060BF47B1}"/>
               </a:ext>
             </a:extLst>
           </p:cNvPr>
@@ -2801,7 +2801,7 @@
           <p:cNvPr id="3" name="文本占位符 2">
             <a:extLst>
               <a:ext uri="{FF2B5EF4-FFF2-40B4-BE49-F238E27FC236}">
-                <a16:creationId xmlns:a16="http://schemas.microsoft.com/office/drawing/2014/main" id="{3BDE3E94-2F7F-2D0A-2AA9-505DA396AC37}"/>
+                <a16:creationId xmlns:a16="http://schemas.microsoft.com/office/drawing/2014/main" id="{4C01A004-E7A1-7676-8906-6718624925B6}"/>
               </a:ext>
             </a:extLst>
           </p:cNvPr>
@@ -2868,7 +2868,7 @@
           <p:cNvPr id="4" name="日期占位符 3">
             <a:extLst>
               <a:ext uri="{FF2B5EF4-FFF2-40B4-BE49-F238E27FC236}">
-                <a16:creationId xmlns:a16="http://schemas.microsoft.com/office/drawing/2014/main" id="{C0841372-279F-11C4-05F2-AC497FD8CB97}"/>
+                <a16:creationId xmlns:a16="http://schemas.microsoft.com/office/drawing/2014/main" id="{5AC4AD59-AC22-E95F-1DBE-A6EEB12CC1DF}"/>
               </a:ext>
             </a:extLst>
           </p:cNvPr>
@@ -2902,7 +2902,7 @@
             </a:lvl1pPr>
           </a:lstStyle>
           <a:p>
-            <a:fld id="{B58E9A3F-5192-4C29-ADB4-9441CAD4A6F9}" type="datetimeFigureOut">
+            <a:fld id="{6BFC9AC1-54B2-492A-8B9F-96321CB91357}" type="datetimeFigureOut">
               <a:rPr lang="zh-CN" altLang="en-US" smtClean="0"/>
               <a:t>2024/3/10</a:t>
             </a:fld>
@@ -2915,7 +2915,7 @@
           <p:cNvPr id="5" name="页脚占位符 4">
             <a:extLst>
               <a:ext uri="{FF2B5EF4-FFF2-40B4-BE49-F238E27FC236}">
-                <a16:creationId xmlns:a16="http://schemas.microsoft.com/office/drawing/2014/main" id="{861114F4-17C3-5094-1731-E56DBBCF68EB}"/>
+                <a16:creationId xmlns:a16="http://schemas.microsoft.com/office/drawing/2014/main" id="{DF211991-79B6-7640-7302-48090BC729F8}"/>
               </a:ext>
             </a:extLst>
           </p:cNvPr>
@@ -2958,7 +2958,7 @@
           <p:cNvPr id="6" name="灯片编号占位符 5">
             <a:extLst>
               <a:ext uri="{FF2B5EF4-FFF2-40B4-BE49-F238E27FC236}">
-                <a16:creationId xmlns:a16="http://schemas.microsoft.com/office/drawing/2014/main" id="{A21B8D30-0649-D0F6-193C-4D926AE8F87C}"/>
+                <a16:creationId xmlns:a16="http://schemas.microsoft.com/office/drawing/2014/main" id="{A0E8D7C3-381F-9639-EC9C-887C45CB063A}"/>
               </a:ext>
             </a:extLst>
           </p:cNvPr>
@@ -2992,7 +2992,7 @@
             </a:lvl1pPr>
           </a:lstStyle>
           <a:p>
-            <a:fld id="{6B5A5A6A-4D8C-413B-A2B0-E8E741C2F5C7}" type="slidenum">
+            <a:fld id="{7D6AD016-FF7E-415B-96CB-68ABCDB29612}" type="slidenum">
               <a:rPr lang="zh-CN" altLang="en-US" smtClean="0"/>
               <a:t>‹#›</a:t>
             </a:fld>
@@ -3003,7 +3003,7 @@
     </p:spTree>
     <p:extLst>
       <p:ext uri="{BB962C8B-B14F-4D97-AF65-F5344CB8AC3E}">
-        <p14:creationId xmlns:p14="http://schemas.microsoft.com/office/powerpoint/2010/main" val="793916828"/>
+        <p14:creationId xmlns:p14="http://schemas.microsoft.com/office/powerpoint/2010/main" val="4105641229"/>
       </p:ext>
     </p:extLst>
   </p:cSld>
